--- a/Power Point/Project 3-Trends in Foster Care-FINAL.pptx
+++ b/Power Point/Project 3-Trends in Foster Care-FINAL.pptx
@@ -5,10 +5,10 @@
     <p:sldMasterId id="2147483648" r:id="rId4"/>
   </p:sldMasterIdLst>
   <p:notesMasterIdLst>
-    <p:notesMasterId r:id="rId18"/>
+    <p:notesMasterId r:id="rId19"/>
   </p:notesMasterIdLst>
   <p:handoutMasterIdLst>
-    <p:handoutMasterId r:id="rId19"/>
+    <p:handoutMasterId r:id="rId20"/>
   </p:handoutMasterIdLst>
   <p:sldIdLst>
     <p:sldId id="256" r:id="rId5"/>
@@ -20,10 +20,11 @@
     <p:sldId id="291" r:id="rId11"/>
     <p:sldId id="292" r:id="rId12"/>
     <p:sldId id="295" r:id="rId13"/>
-    <p:sldId id="265" r:id="rId14"/>
-    <p:sldId id="301" r:id="rId15"/>
-    <p:sldId id="297" r:id="rId16"/>
-    <p:sldId id="300" r:id="rId17"/>
+    <p:sldId id="302" r:id="rId14"/>
+    <p:sldId id="265" r:id="rId15"/>
+    <p:sldId id="301" r:id="rId16"/>
+    <p:sldId id="297" r:id="rId17"/>
+    <p:sldId id="300" r:id="rId18"/>
   </p:sldIdLst>
   <p:sldSz cx="12192000" cy="6858000"/>
   <p:notesSz cx="6858000" cy="9144000"/>
@@ -238,7 +239,7 @@
           <a:p>
             <a:fld id="{9232FC57-E1F8-4F59-A87C-2833007EAF57}" type="datetimeFigureOut">
               <a:rPr lang="en-US" smtClean="0"/>
-              <a:t>1/10/2021</a:t>
+              <a:t>1/11/2021</a:t>
             </a:fld>
             <a:endParaRPr lang="en-US" dirty="0"/>
           </a:p>
@@ -415,7 +416,7 @@
           <a:p>
             <a:fld id="{C98ACAC0-59EA-4916-9995-398D6BEB88C3}" type="datetimeFigureOut">
               <a:rPr lang="en-US" smtClean="0"/>
-              <a:t>1/10/2021</a:t>
+              <a:t>1/11/2021</a:t>
             </a:fld>
             <a:endParaRPr lang="en-US" dirty="0"/>
           </a:p>
@@ -1098,7 +1099,7 @@
           <a:p>
             <a:fld id="{5A9B2C62-FE30-453D-946B-754E9E42C845}" type="slidenum">
               <a:rPr lang="en-US" smtClean="0"/>
-              <a:t>12</a:t>
+              <a:t>13</a:t>
             </a:fld>
             <a:endParaRPr lang="en-US" dirty="0"/>
           </a:p>
@@ -1185,7 +1186,7 @@
           <a:p>
             <a:fld id="{5A9B2C62-FE30-453D-946B-754E9E42C845}" type="slidenum">
               <a:rPr lang="en-US" smtClean="0"/>
-              <a:t>13</a:t>
+              <a:t>14</a:t>
             </a:fld>
             <a:endParaRPr lang="en-US" dirty="0"/>
           </a:p>
@@ -2057,7 +2058,7 @@
           <a:p>
             <a:fld id="{E199D1A0-04AB-4DD4-B9DB-BDEC5E64C94C}" type="datetime1">
               <a:rPr lang="en-US" smtClean="0"/>
-              <a:t>1/10/2021</a:t>
+              <a:t>1/11/2021</a:t>
             </a:fld>
             <a:endParaRPr lang="en-US" dirty="0"/>
           </a:p>
@@ -2291,7 +2292,7 @@
           <a:p>
             <a:fld id="{CF53EA80-260A-4EE9-83BB-E6DD04DEA906}" type="datetime1">
               <a:rPr lang="en-US" smtClean="0"/>
-              <a:t>1/10/2021</a:t>
+              <a:t>1/11/2021</a:t>
             </a:fld>
             <a:endParaRPr lang="en-US" dirty="0"/>
           </a:p>
@@ -2779,7 +2780,7 @@
           <a:p>
             <a:fld id="{8CD80274-DEF2-4F5D-8F74-69D0554CED55}" type="datetime1">
               <a:rPr lang="en-US" smtClean="0"/>
-              <a:t>1/10/2021</a:t>
+              <a:t>1/11/2021</a:t>
             </a:fld>
             <a:endParaRPr lang="en-US" dirty="0"/>
           </a:p>
@@ -3015,7 +3016,7 @@
           <a:p>
             <a:fld id="{C09D4DA8-2D4A-4F06-BECA-044AF4113FB4}" type="datetime1">
               <a:rPr lang="en-US" smtClean="0"/>
-              <a:t>1/10/2021</a:t>
+              <a:t>1/11/2021</a:t>
             </a:fld>
             <a:endParaRPr lang="en-US" dirty="0"/>
           </a:p>
@@ -3489,7 +3490,7 @@
           <a:p>
             <a:fld id="{C7C81873-7D47-483D-BCB4-50DD9806C720}" type="datetime1">
               <a:rPr lang="en-US" smtClean="0"/>
-              <a:t>1/10/2021</a:t>
+              <a:t>1/11/2021</a:t>
             </a:fld>
             <a:endParaRPr lang="en-US" dirty="0"/>
           </a:p>
@@ -3818,7 +3819,7 @@
           <a:p>
             <a:fld id="{90EA6C54-2562-43EA-9A1B-F808D04718E7}" type="datetime1">
               <a:rPr lang="en-US" smtClean="0"/>
-              <a:t>1/10/2021</a:t>
+              <a:t>1/11/2021</a:t>
             </a:fld>
             <a:endParaRPr lang="en-US" dirty="0"/>
           </a:p>
@@ -3953,7 +3954,7 @@
           <a:p>
             <a:fld id="{90EA6C54-2562-43EA-9A1B-F808D04718E7}" type="datetime1">
               <a:rPr lang="en-US" smtClean="0"/>
-              <a:t>1/10/2021</a:t>
+              <a:t>1/11/2021</a:t>
             </a:fld>
             <a:endParaRPr lang="en-US" dirty="0"/>
           </a:p>
@@ -4199,7 +4200,7 @@
           <a:p>
             <a:fld id="{C5DB74C9-B808-4394-A017-79C83B2524EF}" type="datetime1">
               <a:rPr lang="en-US" smtClean="0"/>
-              <a:t>1/10/2021</a:t>
+              <a:t>1/11/2021</a:t>
             </a:fld>
             <a:endParaRPr lang="en-US" dirty="0"/>
           </a:p>
@@ -4657,7 +4658,7 @@
           <a:p>
             <a:fld id="{AAD2DF6D-B715-4785-8DEA-9165C638CF44}" type="datetime1">
               <a:rPr lang="en-US" smtClean="0"/>
-              <a:t>1/10/2021</a:t>
+              <a:t>1/11/2021</a:t>
             </a:fld>
             <a:endParaRPr lang="en-US" dirty="0"/>
           </a:p>
@@ -5291,7 +5292,7 @@
           <a:p>
             <a:fld id="{137AE72A-09B6-4D56-855D-4360BD347914}" type="datetime1">
               <a:rPr lang="en-US" smtClean="0"/>
-              <a:t>1/10/2021</a:t>
+              <a:t>1/11/2021</a:t>
             </a:fld>
             <a:endParaRPr lang="en-US" dirty="0"/>
           </a:p>
@@ -5623,7 +5624,7 @@
           <a:p>
             <a:fld id="{1E5577C8-AB8C-4B8A-A01F-113B16C4DCA3}" type="datetime1">
               <a:rPr lang="en-US" smtClean="0"/>
-              <a:t>1/10/2021</a:t>
+              <a:t>1/11/2021</a:t>
             </a:fld>
             <a:endParaRPr lang="en-US" dirty="0"/>
           </a:p>
@@ -6372,6 +6373,267 @@
 <file path=ppt/slides/slide10.xml><?xml version="1.0" encoding="utf-8"?>
 <p:sld xmlns:a="http://schemas.openxmlformats.org/drawingml/2006/main" xmlns:r="http://schemas.openxmlformats.org/officeDocument/2006/relationships" xmlns:p="http://schemas.openxmlformats.org/presentationml/2006/main">
   <p:cSld>
+    <p:spTree>
+      <p:nvGrpSpPr>
+        <p:cNvPr id="1" name=""/>
+        <p:cNvGrpSpPr/>
+        <p:nvPr/>
+      </p:nvGrpSpPr>
+      <p:grpSpPr>
+        <a:xfrm>
+          <a:off x="0" y="0"/>
+          <a:ext cx="0" cy="0"/>
+          <a:chOff x="0" y="0"/>
+          <a:chExt cx="0" cy="0"/>
+        </a:xfrm>
+      </p:grpSpPr>
+      <p:sp>
+        <p:nvSpPr>
+          <p:cNvPr id="3" name="Content Placeholder 2">
+            <a:extLst>
+              <a:ext uri="{FF2B5EF4-FFF2-40B4-BE49-F238E27FC236}">
+                <a16:creationId xmlns:a16="http://schemas.microsoft.com/office/drawing/2014/main" id="{DC95D5CF-5323-426F-92D3-5E84A7D418F1}"/>
+              </a:ext>
+            </a:extLst>
+          </p:cNvPr>
+          <p:cNvSpPr>
+            <a:spLocks noGrp="1"/>
+          </p:cNvSpPr>
+          <p:nvPr>
+            <p:ph idx="4294967295"/>
+          </p:nvPr>
+        </p:nvSpPr>
+        <p:spPr>
+          <a:xfrm>
+            <a:off x="6096000" y="789963"/>
+            <a:ext cx="4972050" cy="4473575"/>
+          </a:xfrm>
+        </p:spPr>
+        <p:txBody>
+          <a:bodyPr>
+            <a:normAutofit fontScale="25000" lnSpcReduction="20000"/>
+          </a:bodyPr>
+          <a:lstStyle/>
+          <a:p>
+            <a:pPr algn="just"/>
+            <a:r>
+              <a:rPr lang="en-US" sz="5600" b="0" i="0" dirty="0">
+                <a:solidFill>
+                  <a:srgbClr val="212529"/>
+                </a:solidFill>
+                <a:effectLst/>
+                <a:latin typeface="-apple-system"/>
+              </a:rPr>
+              <a:t>We developed a model with existing data to predict what the foster care needs will be in the next 10 years from now. As you can see from the following selected states' results, we could predict that there will be an ever-increasing number of children in care over the next 10 years. If our predictions are on point then there will certainly be a correlated increased need for an expansion in foster care services.</a:t>
+            </a:r>
+          </a:p>
+          <a:p>
+            <a:pPr algn="just"/>
+            <a:r>
+              <a:rPr lang="en-US" sz="5600" b="0" i="0" dirty="0">
+                <a:solidFill>
+                  <a:srgbClr val="212529"/>
+                </a:solidFill>
+                <a:effectLst/>
+                <a:latin typeface="-apple-system"/>
+              </a:rPr>
+              <a:t>This could be problematic based on the current issues and limitations that foster care services and child service agencies are experiencing now.</a:t>
+            </a:r>
+          </a:p>
+          <a:p>
+            <a:pPr algn="just"/>
+            <a:r>
+              <a:rPr lang="en-US" sz="5600" b="0" i="0" dirty="0">
+                <a:solidFill>
+                  <a:srgbClr val="212529"/>
+                </a:solidFill>
+                <a:effectLst/>
+                <a:latin typeface="-apple-system"/>
+              </a:rPr>
+              <a:t>It is our hope that this data could provide information for families, child welfare agencies, and policymakers to understand the current and future needs, as well as the needs for the future.</a:t>
+            </a:r>
+          </a:p>
+          <a:p>
+            <a:pPr algn="just"/>
+            <a:r>
+              <a:rPr lang="en-US" sz="5600" b="0" i="0" dirty="0">
+                <a:solidFill>
+                  <a:srgbClr val="212529"/>
+                </a:solidFill>
+                <a:effectLst/>
+                <a:latin typeface="-apple-system"/>
+              </a:rPr>
+              <a:t>Possible solutions such as the pooling of resources and budgets, streamlining of current processes, and even the possibility of the privatization of agencies could all lead to future solutions or changes that would ensure the safety, stability, and well-being of children and families.</a:t>
+            </a:r>
+          </a:p>
+          <a:p>
+            <a:endParaRPr lang="en-US" dirty="0"/>
+          </a:p>
+        </p:txBody>
+      </p:sp>
+      <p:sp>
+        <p:nvSpPr>
+          <p:cNvPr id="4" name="Date Placeholder 3">
+            <a:extLst>
+              <a:ext uri="{FF2B5EF4-FFF2-40B4-BE49-F238E27FC236}">
+                <a16:creationId xmlns:a16="http://schemas.microsoft.com/office/drawing/2014/main" id="{5433E949-102F-4CDD-A34D-2E6CBF1A67BF}"/>
+              </a:ext>
+            </a:extLst>
+          </p:cNvPr>
+          <p:cNvSpPr>
+            <a:spLocks noGrp="1"/>
+          </p:cNvSpPr>
+          <p:nvPr>
+            <p:ph type="dt" sz="half" idx="2"/>
+          </p:nvPr>
+        </p:nvSpPr>
+        <p:spPr/>
+        <p:txBody>
+          <a:bodyPr/>
+          <a:lstStyle/>
+          <a:p>
+            <a:fld id="{137AE72A-09B6-4D56-855D-4360BD347914}" type="datetime1">
+              <a:rPr lang="en-US" smtClean="0"/>
+              <a:t>1/11/2021</a:t>
+            </a:fld>
+            <a:endParaRPr lang="en-US" dirty="0"/>
+          </a:p>
+        </p:txBody>
+      </p:sp>
+      <p:sp>
+        <p:nvSpPr>
+          <p:cNvPr id="5" name="Slide Number Placeholder 4">
+            <a:extLst>
+              <a:ext uri="{FF2B5EF4-FFF2-40B4-BE49-F238E27FC236}">
+                <a16:creationId xmlns:a16="http://schemas.microsoft.com/office/drawing/2014/main" id="{C2F3A47C-6F5E-4FC1-A17D-43EE31673B8A}"/>
+              </a:ext>
+            </a:extLst>
+          </p:cNvPr>
+          <p:cNvSpPr>
+            <a:spLocks noGrp="1"/>
+          </p:cNvSpPr>
+          <p:nvPr>
+            <p:ph type="sldNum" sz="quarter" idx="4"/>
+          </p:nvPr>
+        </p:nvSpPr>
+        <p:spPr/>
+        <p:txBody>
+          <a:bodyPr/>
+          <a:lstStyle/>
+          <a:p>
+            <a:fld id="{294A09A9-5501-47C1-A89A-A340965A2BE2}" type="slidenum">
+              <a:rPr lang="en-US" smtClean="0"/>
+              <a:pPr/>
+              <a:t>10</a:t>
+            </a:fld>
+            <a:endParaRPr lang="en-US" dirty="0"/>
+          </a:p>
+        </p:txBody>
+      </p:sp>
+      <p:sp>
+        <p:nvSpPr>
+          <p:cNvPr id="6" name="Title 5">
+            <a:extLst>
+              <a:ext uri="{FF2B5EF4-FFF2-40B4-BE49-F238E27FC236}">
+                <a16:creationId xmlns:a16="http://schemas.microsoft.com/office/drawing/2014/main" id="{F9503D3C-3A01-41CE-AF7E-A5FABFF4D6B7}"/>
+              </a:ext>
+            </a:extLst>
+          </p:cNvPr>
+          <p:cNvSpPr>
+            <a:spLocks noGrp="1"/>
+          </p:cNvSpPr>
+          <p:nvPr>
+            <p:ph type="title"/>
+          </p:nvPr>
+        </p:nvSpPr>
+        <p:spPr>
+          <a:xfrm>
+            <a:off x="895534" y="539224"/>
+            <a:ext cx="3315739" cy="1759359"/>
+          </a:xfrm>
+        </p:spPr>
+        <p:txBody>
+          <a:bodyPr>
+            <a:normAutofit/>
+          </a:bodyPr>
+          <a:lstStyle/>
+          <a:p>
+            <a:r>
+              <a:rPr lang="en-US" sz="4000" dirty="0"/>
+              <a:t>Conclusions</a:t>
+            </a:r>
+            <a:br>
+              <a:rPr lang="en-US" dirty="0"/>
+            </a:br>
+            <a:endParaRPr lang="en-US" dirty="0"/>
+          </a:p>
+        </p:txBody>
+      </p:sp>
+      <p:pic>
+        <p:nvPicPr>
+          <p:cNvPr id="1026" name="Picture 2" descr="The Village Network – Partnerships For Brighter Futures">
+            <a:extLst>
+              <a:ext uri="{FF2B5EF4-FFF2-40B4-BE49-F238E27FC236}">
+                <a16:creationId xmlns:a16="http://schemas.microsoft.com/office/drawing/2014/main" id="{DA0076C3-C65A-48DB-8F1D-FA50C94FF95F}"/>
+              </a:ext>
+            </a:extLst>
+          </p:cNvPr>
+          <p:cNvPicPr>
+            <a:picLocks noGrp="1" noChangeAspect="1" noChangeArrowheads="1"/>
+          </p:cNvPicPr>
+          <p:nvPr>
+            <p:ph type="pic" sz="quarter" idx="10"/>
+          </p:nvPr>
+        </p:nvPicPr>
+        <p:blipFill>
+          <a:blip r:embed="rId2">
+            <a:extLst>
+              <a:ext uri="{28A0092B-C50C-407E-A947-70E740481C1C}">
+                <a14:useLocalDpi xmlns:a14="http://schemas.microsoft.com/office/drawing/2010/main" val="0"/>
+              </a:ext>
+            </a:extLst>
+          </a:blip>
+          <a:srcRect t="7767" b="7767"/>
+          <a:stretch>
+            <a:fillRect/>
+          </a:stretch>
+        </p:blipFill>
+        <p:spPr bwMode="auto">
+          <a:xfrm>
+            <a:off x="895534" y="2173560"/>
+            <a:ext cx="3924300" cy="3314700"/>
+          </a:xfrm>
+          <a:prstGeom prst="rect">
+            <a:avLst/>
+          </a:prstGeom>
+          <a:noFill/>
+          <a:extLst>
+            <a:ext uri="{909E8E84-426E-40DD-AFC4-6F175D3DCCD1}">
+              <a14:hiddenFill xmlns:a14="http://schemas.microsoft.com/office/drawing/2010/main">
+                <a:solidFill>
+                  <a:srgbClr val="FFFFFF"/>
+                </a:solidFill>
+              </a14:hiddenFill>
+            </a:ext>
+          </a:extLst>
+        </p:spPr>
+      </p:pic>
+    </p:spTree>
+    <p:extLst>
+      <p:ext uri="{BB962C8B-B14F-4D97-AF65-F5344CB8AC3E}">
+        <p14:creationId xmlns:p14="http://schemas.microsoft.com/office/powerpoint/2010/main" val="3605876214"/>
+      </p:ext>
+    </p:extLst>
+  </p:cSld>
+  <p:clrMapOvr>
+    <a:masterClrMapping/>
+  </p:clrMapOvr>
+</p:sld>
+</file>
+
+<file path=ppt/slides/slide11.xml><?xml version="1.0" encoding="utf-8"?>
+<p:sld xmlns:a="http://schemas.openxmlformats.org/drawingml/2006/main" xmlns:r="http://schemas.openxmlformats.org/officeDocument/2006/relationships" xmlns:p="http://schemas.openxmlformats.org/presentationml/2006/main">
+  <p:cSld>
     <p:bg>
       <p:bgPr>
         <a:solidFill>
@@ -6453,7 +6715,7 @@
             <a:fld id="{294A09A9-5501-47C1-A89A-A340965A2BE2}" type="slidenum">
               <a:rPr lang="en-US" smtClean="0"/>
               <a:pPr/>
-              <a:t>10</a:t>
+              <a:t>11</a:t>
             </a:fld>
             <a:endParaRPr lang="en-US" dirty="0"/>
           </a:p>
@@ -6611,7 +6873,7 @@
 </p:sld>
 </file>
 
-<file path=ppt/slides/slide11.xml><?xml version="1.0" encoding="utf-8"?>
+<file path=ppt/slides/slide12.xml><?xml version="1.0" encoding="utf-8"?>
 <p:sld xmlns:a="http://schemas.openxmlformats.org/drawingml/2006/main" xmlns:r="http://schemas.openxmlformats.org/officeDocument/2006/relationships" xmlns:p="http://schemas.openxmlformats.org/presentationml/2006/main">
   <p:cSld>
     <p:bg>
@@ -6960,7 +7222,7 @@
 </p:sld>
 </file>
 
-<file path=ppt/slides/slide12.xml><?xml version="1.0" encoding="utf-8"?>
+<file path=ppt/slides/slide13.xml><?xml version="1.0" encoding="utf-8"?>
 <p:sld xmlns:a="http://schemas.openxmlformats.org/drawingml/2006/main" xmlns:r="http://schemas.openxmlformats.org/officeDocument/2006/relationships" xmlns:p="http://schemas.openxmlformats.org/presentationml/2006/main">
   <p:cSld>
     <p:bg>
@@ -7382,7 +7644,7 @@
 </p:sld>
 </file>
 
-<file path=ppt/slides/slide13.xml><?xml version="1.0" encoding="utf-8"?>
+<file path=ppt/slides/slide14.xml><?xml version="1.0" encoding="utf-8"?>
 <p:sld xmlns:a="http://schemas.openxmlformats.org/drawingml/2006/main" xmlns:r="http://schemas.openxmlformats.org/officeDocument/2006/relationships" xmlns:p="http://schemas.openxmlformats.org/presentationml/2006/main">
   <p:cSld>
     <p:bg>
@@ -10722,24 +10984,6 @@
 </file>
 
 <file path=customXml/item1.xml><?xml version="1.0" encoding="utf-8"?>
-<?mso-contentType ?>
-<FormTemplates xmlns="http://schemas.microsoft.com/sharepoint/v3/contenttype/forms">
-  <Display>DocumentLibraryForm</Display>
-  <Edit>DocumentLibraryForm</Edit>
-  <New>DocumentLibraryForm</New>
-</FormTemplates>
-</file>
-
-<file path=customXml/item2.xml><?xml version="1.0" encoding="utf-8"?>
-<p:properties xmlns:p="http://schemas.microsoft.com/office/2006/metadata/properties" xmlns:xsi="http://www.w3.org/2001/XMLSchema-instance" xmlns:pc="http://schemas.microsoft.com/office/infopath/2007/PartnerControls">
-  <documentManagement>
-    <Status xmlns="71af3243-3dd4-4a8d-8c0d-dd76da1f02a5">Not started</Status>
-    <MediaServiceKeyPoints xmlns="71af3243-3dd4-4a8d-8c0d-dd76da1f02a5" xsi:nil="true"/>
-  </documentManagement>
-</p:properties>
-</file>
-
-<file path=customXml/item3.xml><?xml version="1.0" encoding="utf-8"?>
 <ct:contentTypeSchema xmlns:ct="http://schemas.microsoft.com/office/2006/metadata/contentType" xmlns:ma="http://schemas.microsoft.com/office/2006/metadata/properties/metaAttributes" ct:_="" ma:_="" ma:contentTypeName="Document" ma:contentTypeID="0x01010079F111ED35F8CC479449609E8A0923A6" ma:contentTypeVersion="12" ma:contentTypeDescription="Create a new document." ma:contentTypeScope="" ma:versionID="426e97fa315356fffbdcd9876fe988c2">
   <xsd:schema xmlns:xsd="http://www.w3.org/2001/XMLSchema" xmlns:xs="http://www.w3.org/2001/XMLSchema" xmlns:p="http://schemas.microsoft.com/office/2006/metadata/properties" xmlns:ns2="71af3243-3dd4-4a8d-8c0d-dd76da1f02a5" xmlns:ns3="16c05727-aa75-4e4a-9b5f-8a80a1165891" targetNamespace="http://schemas.microsoft.com/office/2006/metadata/properties" ma:root="true" ma:fieldsID="14b8f0def80e6d70ce3def20c90759ae" ns2:_="" ns3:_="">
     <xsd:import namespace="71af3243-3dd4-4a8d-8c0d-dd76da1f02a5"/>
@@ -10960,25 +11204,25 @@
 </ct:contentTypeSchema>
 </file>
 
-<file path=customXml/itemProps1.xml><?xml version="1.0" encoding="utf-8"?>
-<ds:datastoreItem xmlns:ds="http://schemas.openxmlformats.org/officeDocument/2006/customXml" ds:itemID="{53A10211-FBDE-44DA-8AD6-29E596B2975F}">
-  <ds:schemaRefs>
-    <ds:schemaRef ds:uri="http://schemas.microsoft.com/sharepoint/v3/contenttype/forms"/>
-  </ds:schemaRefs>
-</ds:datastoreItem>
+<file path=customXml/item2.xml><?xml version="1.0" encoding="utf-8"?>
+<p:properties xmlns:p="http://schemas.microsoft.com/office/2006/metadata/properties" xmlns:xsi="http://www.w3.org/2001/XMLSchema-instance" xmlns:pc="http://schemas.microsoft.com/office/infopath/2007/PartnerControls">
+  <documentManagement>
+    <Status xmlns="71af3243-3dd4-4a8d-8c0d-dd76da1f02a5">Not started</Status>
+    <MediaServiceKeyPoints xmlns="71af3243-3dd4-4a8d-8c0d-dd76da1f02a5" xsi:nil="true"/>
+  </documentManagement>
+</p:properties>
 </file>
 
-<file path=customXml/itemProps2.xml><?xml version="1.0" encoding="utf-8"?>
-<ds:datastoreItem xmlns:ds="http://schemas.openxmlformats.org/officeDocument/2006/customXml" ds:itemID="{D0976319-4513-485C-AD3A-E56C39927A38}">
-  <ds:schemaRefs>
-    <ds:schemaRef ds:uri="http://schemas.microsoft.com/office/2006/metadata/properties"/>
-    <ds:schemaRef ds:uri="http://schemas.microsoft.com/office/infopath/2007/PartnerControls"/>
-    <ds:schemaRef ds:uri="71af3243-3dd4-4a8d-8c0d-dd76da1f02a5"/>
-  </ds:schemaRefs>
-</ds:datastoreItem>
+<file path=customXml/item3.xml><?xml version="1.0" encoding="utf-8"?>
+<?mso-contentType ?>
+<FormTemplates xmlns="http://schemas.microsoft.com/sharepoint/v3/contenttype/forms">
+  <Display>DocumentLibraryForm</Display>
+  <Edit>DocumentLibraryForm</Edit>
+  <New>DocumentLibraryForm</New>
+</FormTemplates>
 </file>
 
-<file path=customXml/itemProps3.xml><?xml version="1.0" encoding="utf-8"?>
+<file path=customXml/itemProps1.xml><?xml version="1.0" encoding="utf-8"?>
 <ds:datastoreItem xmlns:ds="http://schemas.openxmlformats.org/officeDocument/2006/customXml" ds:itemID="{6A1B7BBB-8F46-4BA8-85EC-2ECC1D2E3290}">
   <ds:schemaRefs>
     <ds:schemaRef ds:uri="http://schemas.microsoft.com/office/2006/metadata/contentType"/>
@@ -10995,4 +11239,22 @@
     <ds:schemaRef ds:uri="http://schemas.microsoft.com/internal/obd"/>
   </ds:schemaRefs>
 </ds:datastoreItem>
+</file>
+
+<file path=customXml/itemProps2.xml><?xml version="1.0" encoding="utf-8"?>
+<ds:datastoreItem xmlns:ds="http://schemas.openxmlformats.org/officeDocument/2006/customXml" ds:itemID="{D0976319-4513-485C-AD3A-E56C39927A38}">
+  <ds:schemaRefs>
+    <ds:schemaRef ds:uri="http://schemas.microsoft.com/office/2006/metadata/properties"/>
+    <ds:schemaRef ds:uri="http://schemas.microsoft.com/office/infopath/2007/PartnerControls"/>
+    <ds:schemaRef ds:uri="71af3243-3dd4-4a8d-8c0d-dd76da1f02a5"/>
+  </ds:schemaRefs>
+</ds:datastoreItem>
+</file>
+
+<file path=customXml/itemProps3.xml><?xml version="1.0" encoding="utf-8"?>
+<ds:datastoreItem xmlns:ds="http://schemas.openxmlformats.org/officeDocument/2006/customXml" ds:itemID="{53A10211-FBDE-44DA-8AD6-29E596B2975F}">
+  <ds:schemaRefs>
+    <ds:schemaRef ds:uri="http://schemas.microsoft.com/sharepoint/v3/contenttype/forms"/>
+  </ds:schemaRefs>
+</ds:datastoreItem>
 </file>
--- a/Power Point/Project 3-Trends in Foster Care-FINAL.pptx
+++ b/Power Point/Project 3-Trends in Foster Care-FINAL.pptx
@@ -14,12 +14,12 @@
     <p:sldId id="256" r:id="rId5"/>
     <p:sldId id="294" r:id="rId6"/>
     <p:sldId id="296" r:id="rId7"/>
-    <p:sldId id="298" r:id="rId8"/>
-    <p:sldId id="281" r:id="rId9"/>
-    <p:sldId id="293" r:id="rId10"/>
-    <p:sldId id="291" r:id="rId11"/>
-    <p:sldId id="292" r:id="rId12"/>
-    <p:sldId id="295" r:id="rId13"/>
+    <p:sldId id="281" r:id="rId8"/>
+    <p:sldId id="293" r:id="rId9"/>
+    <p:sldId id="291" r:id="rId10"/>
+    <p:sldId id="292" r:id="rId11"/>
+    <p:sldId id="295" r:id="rId12"/>
+    <p:sldId id="298" r:id="rId13"/>
     <p:sldId id="302" r:id="rId14"/>
     <p:sldId id="265" r:id="rId15"/>
     <p:sldId id="301" r:id="rId16"/>
@@ -838,7 +838,7 @@
           <a:p>
             <a:fld id="{5A9B2C62-FE30-453D-946B-754E9E42C845}" type="slidenum">
               <a:rPr lang="en-US" smtClean="0"/>
-              <a:t>4</a:t>
+              <a:t>5</a:t>
             </a:fld>
             <a:endParaRPr lang="en-US" dirty="0"/>
           </a:p>
@@ -847,7 +847,7 @@
     </p:spTree>
     <p:extLst>
       <p:ext uri="{BB962C8B-B14F-4D97-AF65-F5344CB8AC3E}">
-        <p14:creationId xmlns:p14="http://schemas.microsoft.com/office/powerpoint/2010/main" val="945878325"/>
+        <p14:creationId xmlns:p14="http://schemas.microsoft.com/office/powerpoint/2010/main" val="4135773334"/>
       </p:ext>
     </p:extLst>
   </p:cSld>
@@ -925,16 +925,16 @@
           <a:p>
             <a:fld id="{5A9B2C62-FE30-453D-946B-754E9E42C845}" type="slidenum">
               <a:rPr lang="en-US" smtClean="0"/>
-              <a:t>6</a:t>
+              <a:t>8</a:t>
             </a:fld>
-            <a:endParaRPr lang="en-US" dirty="0"/>
+            <a:endParaRPr lang="en-US"/>
           </a:p>
         </p:txBody>
       </p:sp>
     </p:spTree>
     <p:extLst>
       <p:ext uri="{BB962C8B-B14F-4D97-AF65-F5344CB8AC3E}">
-        <p14:creationId xmlns:p14="http://schemas.microsoft.com/office/powerpoint/2010/main" val="4135773334"/>
+        <p14:creationId xmlns:p14="http://schemas.microsoft.com/office/powerpoint/2010/main" val="1803998280"/>
       </p:ext>
     </p:extLst>
   </p:cSld>
@@ -1014,14 +1014,14 @@
               <a:rPr lang="en-US" smtClean="0"/>
               <a:t>9</a:t>
             </a:fld>
-            <a:endParaRPr lang="en-US"/>
+            <a:endParaRPr lang="en-US" dirty="0"/>
           </a:p>
         </p:txBody>
       </p:sp>
     </p:spTree>
     <p:extLst>
       <p:ext uri="{BB962C8B-B14F-4D97-AF65-F5344CB8AC3E}">
-        <p14:creationId xmlns:p14="http://schemas.microsoft.com/office/powerpoint/2010/main" val="1803998280"/>
+        <p14:creationId xmlns:p14="http://schemas.microsoft.com/office/powerpoint/2010/main" val="945878325"/>
       </p:ext>
     </p:extLst>
   </p:cSld>
@@ -8353,238 +8353,6 @@
     <p:bg>
       <p:bgPr>
         <a:solidFill>
-          <a:srgbClr val="C0C9C2"/>
-        </a:solidFill>
-        <a:effectLst/>
-      </p:bgPr>
-    </p:bg>
-    <p:spTree>
-      <p:nvGrpSpPr>
-        <p:cNvPr id="1" name=""/>
-        <p:cNvGrpSpPr/>
-        <p:nvPr/>
-      </p:nvGrpSpPr>
-      <p:grpSpPr>
-        <a:xfrm>
-          <a:off x="0" y="0"/>
-          <a:ext cx="0" cy="0"/>
-          <a:chOff x="0" y="0"/>
-          <a:chExt cx="0" cy="0"/>
-        </a:xfrm>
-      </p:grpSpPr>
-      <p:sp>
-        <p:nvSpPr>
-          <p:cNvPr id="4" name="Title 3">
-            <a:extLst>
-              <a:ext uri="{FF2B5EF4-FFF2-40B4-BE49-F238E27FC236}">
-                <a16:creationId xmlns:a16="http://schemas.microsoft.com/office/drawing/2014/main" id="{88467C95-DF23-40B9-B265-2E6F3DE29030}"/>
-              </a:ext>
-            </a:extLst>
-          </p:cNvPr>
-          <p:cNvSpPr>
-            <a:spLocks noGrp="1"/>
-          </p:cNvSpPr>
-          <p:nvPr>
-            <p:ph type="title"/>
-          </p:nvPr>
-        </p:nvSpPr>
-        <p:spPr>
-          <a:xfrm>
-            <a:off x="895463" y="571499"/>
-            <a:ext cx="6734062" cy="628651"/>
-          </a:xfrm>
-        </p:spPr>
-        <p:txBody>
-          <a:bodyPr>
-            <a:noAutofit/>
-          </a:bodyPr>
-          <a:lstStyle/>
-          <a:p>
-            <a:r>
-              <a:rPr lang="en-US" sz="4000" b="1" dirty="0">
-                <a:latin typeface="+mn-lt"/>
-              </a:rPr>
-              <a:t>Interactive Website</a:t>
-            </a:r>
-          </a:p>
-        </p:txBody>
-      </p:sp>
-      <p:sp>
-        <p:nvSpPr>
-          <p:cNvPr id="2" name="TextBox 1">
-            <a:extLst>
-              <a:ext uri="{FF2B5EF4-FFF2-40B4-BE49-F238E27FC236}">
-                <a16:creationId xmlns:a16="http://schemas.microsoft.com/office/drawing/2014/main" id="{AC6EAD1E-0BA1-4A26-96D7-740DC7430367}"/>
-              </a:ext>
-            </a:extLst>
-          </p:cNvPr>
-          <p:cNvSpPr txBox="1"/>
-          <p:nvPr/>
-        </p:nvSpPr>
-        <p:spPr>
-          <a:xfrm>
-            <a:off x="998289" y="1224793"/>
-            <a:ext cx="8355436" cy="4247317"/>
-          </a:xfrm>
-          <a:prstGeom prst="rect">
-            <a:avLst/>
-          </a:prstGeom>
-          <a:noFill/>
-        </p:spPr>
-        <p:txBody>
-          <a:bodyPr wrap="square" rtlCol="0">
-            <a:spAutoFit/>
-          </a:bodyPr>
-          <a:lstStyle/>
-          <a:p>
-            <a:pPr marL="285750" indent="-285750" algn="just">
-              <a:buFont typeface="Arial" panose="020B0604020202020204" pitchFamily="34" charset="0"/>
-              <a:buChar char="•"/>
-            </a:pPr>
-            <a:r>
-              <a:rPr lang="en-US" dirty="0">
-                <a:solidFill>
-                  <a:schemeClr val="bg1"/>
-                </a:solidFill>
-              </a:rPr>
-              <a:t>We have developed a website illustrating the current trends in America for foster care from 2010-2019</a:t>
-            </a:r>
-          </a:p>
-          <a:p>
-            <a:pPr marL="285750" indent="-285750" algn="just">
-              <a:buFont typeface="Arial" panose="020B0604020202020204" pitchFamily="34" charset="0"/>
-              <a:buChar char="•"/>
-            </a:pPr>
-            <a:endParaRPr lang="en-US" dirty="0">
-              <a:solidFill>
-                <a:schemeClr val="bg1"/>
-              </a:solidFill>
-            </a:endParaRPr>
-          </a:p>
-          <a:p>
-            <a:pPr marL="285750" indent="-285750" algn="just">
-              <a:buFont typeface="Arial" panose="020B0604020202020204" pitchFamily="34" charset="0"/>
-              <a:buChar char="•"/>
-            </a:pPr>
-            <a:endParaRPr lang="en-US" dirty="0">
-              <a:solidFill>
-                <a:schemeClr val="bg1"/>
-              </a:solidFill>
-            </a:endParaRPr>
-          </a:p>
-          <a:p>
-            <a:pPr marL="285750" indent="-285750" algn="just">
-              <a:buFont typeface="Arial" panose="020B0604020202020204" pitchFamily="34" charset="0"/>
-              <a:buChar char="•"/>
-            </a:pPr>
-            <a:r>
-              <a:rPr lang="en-US" dirty="0">
-                <a:solidFill>
-                  <a:schemeClr val="bg1"/>
-                </a:solidFill>
-              </a:rPr>
-              <a:t>The interactive website shows data compiled for all 50 states showing the number of children in care, the number of adoptions and the number of terminations of parental rights (TPR) over the 10-year period</a:t>
-            </a:r>
-          </a:p>
-          <a:p>
-            <a:pPr marL="285750" indent="-285750" algn="just">
-              <a:buFont typeface="Arial" panose="020B0604020202020204" pitchFamily="34" charset="0"/>
-              <a:buChar char="•"/>
-            </a:pPr>
-            <a:endParaRPr lang="en-US" dirty="0">
-              <a:solidFill>
-                <a:schemeClr val="bg1"/>
-              </a:solidFill>
-            </a:endParaRPr>
-          </a:p>
-          <a:p>
-            <a:pPr marL="285750" indent="-285750" algn="just">
-              <a:buFont typeface="Arial" panose="020B0604020202020204" pitchFamily="34" charset="0"/>
-              <a:buChar char="•"/>
-            </a:pPr>
-            <a:endParaRPr lang="en-US" dirty="0">
-              <a:solidFill>
-                <a:schemeClr val="bg1"/>
-              </a:solidFill>
-            </a:endParaRPr>
-          </a:p>
-          <a:p>
-            <a:pPr marL="285750" indent="-285750" algn="just">
-              <a:buFont typeface="Arial" panose="020B0604020202020204" pitchFamily="34" charset="0"/>
-              <a:buChar char="•"/>
-            </a:pPr>
-            <a:r>
-              <a:rPr lang="en-US" dirty="0">
-                <a:solidFill>
-                  <a:schemeClr val="bg1"/>
-                </a:solidFill>
-              </a:rPr>
-              <a:t>This website will also show predictions for foster care in the future for selected states</a:t>
-            </a:r>
-          </a:p>
-          <a:p>
-            <a:pPr marL="285750" indent="-285750" algn="just">
-              <a:buFont typeface="Arial" panose="020B0604020202020204" pitchFamily="34" charset="0"/>
-              <a:buChar char="•"/>
-            </a:pPr>
-            <a:endParaRPr lang="en-US" dirty="0">
-              <a:solidFill>
-                <a:schemeClr val="bg1"/>
-              </a:solidFill>
-            </a:endParaRPr>
-          </a:p>
-          <a:p>
-            <a:pPr marL="285750" indent="-285750" algn="just">
-              <a:buFont typeface="Arial" panose="020B0604020202020204" pitchFamily="34" charset="0"/>
-              <a:buChar char="•"/>
-            </a:pPr>
-            <a:endParaRPr lang="en-US" dirty="0">
-              <a:solidFill>
-                <a:schemeClr val="bg1"/>
-              </a:solidFill>
-            </a:endParaRPr>
-          </a:p>
-          <a:p>
-            <a:pPr marL="285750" indent="-285750" algn="just">
-              <a:buFont typeface="Arial" panose="020B0604020202020204" pitchFamily="34" charset="0"/>
-              <a:buChar char="•"/>
-            </a:pPr>
-            <a:r>
-              <a:rPr lang="en-US" dirty="0">
-                <a:solidFill>
-                  <a:schemeClr val="bg1"/>
-                </a:solidFill>
-                <a:hlinkClick r:id="rId3"/>
-              </a:rPr>
-              <a:t>https://gemelodyyu.github.io/Trends-in-Foster-Care-and-Adoption/</a:t>
-            </a:r>
-            <a:endParaRPr lang="en-US" dirty="0">
-              <a:solidFill>
-                <a:schemeClr val="bg1"/>
-              </a:solidFill>
-            </a:endParaRPr>
-          </a:p>
-        </p:txBody>
-      </p:sp>
-    </p:spTree>
-    <p:extLst>
-      <p:ext uri="{BB962C8B-B14F-4D97-AF65-F5344CB8AC3E}">
-        <p14:creationId xmlns:p14="http://schemas.microsoft.com/office/powerpoint/2010/main" val="2899709455"/>
-      </p:ext>
-    </p:extLst>
-  </p:cSld>
-  <p:clrMapOvr>
-    <a:masterClrMapping/>
-  </p:clrMapOvr>
-</p:sld>
-</file>
-
-<file path=ppt/slides/slide5.xml><?xml version="1.0" encoding="utf-8"?>
-<p:sld xmlns:a="http://schemas.openxmlformats.org/drawingml/2006/main" xmlns:r="http://schemas.openxmlformats.org/officeDocument/2006/relationships" xmlns:p="http://schemas.openxmlformats.org/presentationml/2006/main">
-  <p:cSld>
-    <p:bg>
-      <p:bgPr>
-        <a:solidFill>
           <a:schemeClr val="accent1"/>
         </a:solidFill>
         <a:effectLst/>
@@ -8784,7 +8552,7 @@
 </p:sld>
 </file>
 
-<file path=ppt/slides/slide6.xml><?xml version="1.0" encoding="utf-8"?>
+<file path=ppt/slides/slide5.xml><?xml version="1.0" encoding="utf-8"?>
 <p:sld xmlns:a="http://schemas.openxmlformats.org/drawingml/2006/main" xmlns:r="http://schemas.openxmlformats.org/officeDocument/2006/relationships" xmlns:p="http://schemas.openxmlformats.org/presentationml/2006/main">
   <p:cSld>
     <p:bg>
@@ -9234,7 +9002,7 @@
 </p:sld>
 </file>
 
-<file path=ppt/slides/slide7.xml><?xml version="1.0" encoding="utf-8"?>
+<file path=ppt/slides/slide6.xml><?xml version="1.0" encoding="utf-8"?>
 <p:sld xmlns:a="http://schemas.openxmlformats.org/drawingml/2006/main" xmlns:r="http://schemas.openxmlformats.org/officeDocument/2006/relationships" xmlns:p="http://schemas.openxmlformats.org/presentationml/2006/main">
   <p:cSld>
     <p:bg>
@@ -9506,7 +9274,7 @@
 </p:sld>
 </file>
 
-<file path=ppt/slides/slide8.xml><?xml version="1.0" encoding="utf-8"?>
+<file path=ppt/slides/slide7.xml><?xml version="1.0" encoding="utf-8"?>
 <p:sld xmlns:a="http://schemas.openxmlformats.org/drawingml/2006/main" xmlns:r="http://schemas.openxmlformats.org/officeDocument/2006/relationships" xmlns:p="http://schemas.openxmlformats.org/presentationml/2006/main">
   <p:cSld>
     <p:bg>
@@ -9590,7 +9358,7 @@
             <a:fld id="{294A09A9-5501-47C1-A89A-A340965A2BE2}" type="slidenum">
               <a:rPr lang="en-US" smtClean="0"/>
               <a:pPr/>
-              <a:t>8</a:t>
+              <a:t>7</a:t>
             </a:fld>
             <a:endParaRPr lang="en-US" dirty="0"/>
           </a:p>
@@ -9803,7 +9571,7 @@
 </p:sld>
 </file>
 
-<file path=ppt/slides/slide9.xml><?xml version="1.0" encoding="utf-8"?>
+<file path=ppt/slides/slide8.xml><?xml version="1.0" encoding="utf-8"?>
 <p:sld xmlns:a="http://schemas.openxmlformats.org/drawingml/2006/main" xmlns:r="http://schemas.openxmlformats.org/officeDocument/2006/relationships" xmlns:p="http://schemas.openxmlformats.org/presentationml/2006/main">
   <p:cSld>
     <p:spTree>
@@ -10183,6 +9951,238 @@
     <p:extLst>
       <p:ext uri="{BB962C8B-B14F-4D97-AF65-F5344CB8AC3E}">
         <p14:creationId xmlns:p14="http://schemas.microsoft.com/office/powerpoint/2010/main" val="2137894833"/>
+      </p:ext>
+    </p:extLst>
+  </p:cSld>
+  <p:clrMapOvr>
+    <a:masterClrMapping/>
+  </p:clrMapOvr>
+</p:sld>
+</file>
+
+<file path=ppt/slides/slide9.xml><?xml version="1.0" encoding="utf-8"?>
+<p:sld xmlns:a="http://schemas.openxmlformats.org/drawingml/2006/main" xmlns:r="http://schemas.openxmlformats.org/officeDocument/2006/relationships" xmlns:p="http://schemas.openxmlformats.org/presentationml/2006/main">
+  <p:cSld>
+    <p:bg>
+      <p:bgPr>
+        <a:solidFill>
+          <a:srgbClr val="C0C9C2"/>
+        </a:solidFill>
+        <a:effectLst/>
+      </p:bgPr>
+    </p:bg>
+    <p:spTree>
+      <p:nvGrpSpPr>
+        <p:cNvPr id="1" name=""/>
+        <p:cNvGrpSpPr/>
+        <p:nvPr/>
+      </p:nvGrpSpPr>
+      <p:grpSpPr>
+        <a:xfrm>
+          <a:off x="0" y="0"/>
+          <a:ext cx="0" cy="0"/>
+          <a:chOff x="0" y="0"/>
+          <a:chExt cx="0" cy="0"/>
+        </a:xfrm>
+      </p:grpSpPr>
+      <p:sp>
+        <p:nvSpPr>
+          <p:cNvPr id="4" name="Title 3">
+            <a:extLst>
+              <a:ext uri="{FF2B5EF4-FFF2-40B4-BE49-F238E27FC236}">
+                <a16:creationId xmlns:a16="http://schemas.microsoft.com/office/drawing/2014/main" id="{88467C95-DF23-40B9-B265-2E6F3DE29030}"/>
+              </a:ext>
+            </a:extLst>
+          </p:cNvPr>
+          <p:cNvSpPr>
+            <a:spLocks noGrp="1"/>
+          </p:cNvSpPr>
+          <p:nvPr>
+            <p:ph type="title"/>
+          </p:nvPr>
+        </p:nvSpPr>
+        <p:spPr>
+          <a:xfrm>
+            <a:off x="895463" y="571499"/>
+            <a:ext cx="6734062" cy="628651"/>
+          </a:xfrm>
+        </p:spPr>
+        <p:txBody>
+          <a:bodyPr>
+            <a:noAutofit/>
+          </a:bodyPr>
+          <a:lstStyle/>
+          <a:p>
+            <a:r>
+              <a:rPr lang="en-US" sz="4000" b="1" dirty="0">
+                <a:latin typeface="+mn-lt"/>
+              </a:rPr>
+              <a:t>Interactive Website</a:t>
+            </a:r>
+          </a:p>
+        </p:txBody>
+      </p:sp>
+      <p:sp>
+        <p:nvSpPr>
+          <p:cNvPr id="2" name="TextBox 1">
+            <a:extLst>
+              <a:ext uri="{FF2B5EF4-FFF2-40B4-BE49-F238E27FC236}">
+                <a16:creationId xmlns:a16="http://schemas.microsoft.com/office/drawing/2014/main" id="{AC6EAD1E-0BA1-4A26-96D7-740DC7430367}"/>
+              </a:ext>
+            </a:extLst>
+          </p:cNvPr>
+          <p:cNvSpPr txBox="1"/>
+          <p:nvPr/>
+        </p:nvSpPr>
+        <p:spPr>
+          <a:xfrm>
+            <a:off x="998289" y="1224793"/>
+            <a:ext cx="8355436" cy="4247317"/>
+          </a:xfrm>
+          <a:prstGeom prst="rect">
+            <a:avLst/>
+          </a:prstGeom>
+          <a:noFill/>
+        </p:spPr>
+        <p:txBody>
+          <a:bodyPr wrap="square" rtlCol="0">
+            <a:spAutoFit/>
+          </a:bodyPr>
+          <a:lstStyle/>
+          <a:p>
+            <a:pPr marL="285750" indent="-285750" algn="just">
+              <a:buFont typeface="Arial" panose="020B0604020202020204" pitchFamily="34" charset="0"/>
+              <a:buChar char="•"/>
+            </a:pPr>
+            <a:r>
+              <a:rPr lang="en-US" dirty="0">
+                <a:solidFill>
+                  <a:schemeClr val="bg1"/>
+                </a:solidFill>
+              </a:rPr>
+              <a:t>We have developed a website illustrating the current trends in America for foster care from 2010-2019</a:t>
+            </a:r>
+          </a:p>
+          <a:p>
+            <a:pPr marL="285750" indent="-285750" algn="just">
+              <a:buFont typeface="Arial" panose="020B0604020202020204" pitchFamily="34" charset="0"/>
+              <a:buChar char="•"/>
+            </a:pPr>
+            <a:endParaRPr lang="en-US" dirty="0">
+              <a:solidFill>
+                <a:schemeClr val="bg1"/>
+              </a:solidFill>
+            </a:endParaRPr>
+          </a:p>
+          <a:p>
+            <a:pPr marL="285750" indent="-285750" algn="just">
+              <a:buFont typeface="Arial" panose="020B0604020202020204" pitchFamily="34" charset="0"/>
+              <a:buChar char="•"/>
+            </a:pPr>
+            <a:endParaRPr lang="en-US" dirty="0">
+              <a:solidFill>
+                <a:schemeClr val="bg1"/>
+              </a:solidFill>
+            </a:endParaRPr>
+          </a:p>
+          <a:p>
+            <a:pPr marL="285750" indent="-285750" algn="just">
+              <a:buFont typeface="Arial" panose="020B0604020202020204" pitchFamily="34" charset="0"/>
+              <a:buChar char="•"/>
+            </a:pPr>
+            <a:r>
+              <a:rPr lang="en-US" dirty="0">
+                <a:solidFill>
+                  <a:schemeClr val="bg1"/>
+                </a:solidFill>
+              </a:rPr>
+              <a:t>The interactive website shows data compiled for all 50 states showing the number of children in care, the number of adoptions and the number of terminations of parental rights (TPR) over the 10-year period</a:t>
+            </a:r>
+          </a:p>
+          <a:p>
+            <a:pPr marL="285750" indent="-285750" algn="just">
+              <a:buFont typeface="Arial" panose="020B0604020202020204" pitchFamily="34" charset="0"/>
+              <a:buChar char="•"/>
+            </a:pPr>
+            <a:endParaRPr lang="en-US" dirty="0">
+              <a:solidFill>
+                <a:schemeClr val="bg1"/>
+              </a:solidFill>
+            </a:endParaRPr>
+          </a:p>
+          <a:p>
+            <a:pPr marL="285750" indent="-285750" algn="just">
+              <a:buFont typeface="Arial" panose="020B0604020202020204" pitchFamily="34" charset="0"/>
+              <a:buChar char="•"/>
+            </a:pPr>
+            <a:endParaRPr lang="en-US" dirty="0">
+              <a:solidFill>
+                <a:schemeClr val="bg1"/>
+              </a:solidFill>
+            </a:endParaRPr>
+          </a:p>
+          <a:p>
+            <a:pPr marL="285750" indent="-285750" algn="just">
+              <a:buFont typeface="Arial" panose="020B0604020202020204" pitchFamily="34" charset="0"/>
+              <a:buChar char="•"/>
+            </a:pPr>
+            <a:r>
+              <a:rPr lang="en-US" dirty="0">
+                <a:solidFill>
+                  <a:schemeClr val="bg1"/>
+                </a:solidFill>
+              </a:rPr>
+              <a:t>This website will also show predictions for foster care in the future for selected states</a:t>
+            </a:r>
+          </a:p>
+          <a:p>
+            <a:pPr marL="285750" indent="-285750" algn="just">
+              <a:buFont typeface="Arial" panose="020B0604020202020204" pitchFamily="34" charset="0"/>
+              <a:buChar char="•"/>
+            </a:pPr>
+            <a:endParaRPr lang="en-US" dirty="0">
+              <a:solidFill>
+                <a:schemeClr val="bg1"/>
+              </a:solidFill>
+            </a:endParaRPr>
+          </a:p>
+          <a:p>
+            <a:pPr marL="285750" indent="-285750" algn="just">
+              <a:buFont typeface="Arial" panose="020B0604020202020204" pitchFamily="34" charset="0"/>
+              <a:buChar char="•"/>
+            </a:pPr>
+            <a:endParaRPr lang="en-US" dirty="0">
+              <a:solidFill>
+                <a:schemeClr val="bg1"/>
+              </a:solidFill>
+            </a:endParaRPr>
+          </a:p>
+          <a:p>
+            <a:pPr marL="285750" indent="-285750" algn="just">
+              <a:buFont typeface="Arial" panose="020B0604020202020204" pitchFamily="34" charset="0"/>
+              <a:buChar char="•"/>
+            </a:pPr>
+            <a:r>
+              <a:rPr lang="en-US" dirty="0">
+                <a:solidFill>
+                  <a:schemeClr val="bg1"/>
+                </a:solidFill>
+                <a:hlinkClick r:id="rId3"/>
+              </a:rPr>
+              <a:t>https://gemelodyyu.github.io/Trends-in-Foster-Care-and-Adoption/</a:t>
+            </a:r>
+            <a:endParaRPr lang="en-US" dirty="0">
+              <a:solidFill>
+                <a:schemeClr val="bg1"/>
+              </a:solidFill>
+            </a:endParaRPr>
+          </a:p>
+        </p:txBody>
+      </p:sp>
+    </p:spTree>
+    <p:extLst>
+      <p:ext uri="{BB962C8B-B14F-4D97-AF65-F5344CB8AC3E}">
+        <p14:creationId xmlns:p14="http://schemas.microsoft.com/office/powerpoint/2010/main" val="2899709455"/>
       </p:ext>
     </p:extLst>
   </p:cSld>
@@ -10984,6 +10984,24 @@
 </file>
 
 <file path=customXml/item1.xml><?xml version="1.0" encoding="utf-8"?>
+<?mso-contentType ?>
+<FormTemplates xmlns="http://schemas.microsoft.com/sharepoint/v3/contenttype/forms">
+  <Display>DocumentLibraryForm</Display>
+  <Edit>DocumentLibraryForm</Edit>
+  <New>DocumentLibraryForm</New>
+</FormTemplates>
+</file>
+
+<file path=customXml/item2.xml><?xml version="1.0" encoding="utf-8"?>
+<p:properties xmlns:p="http://schemas.microsoft.com/office/2006/metadata/properties" xmlns:xsi="http://www.w3.org/2001/XMLSchema-instance" xmlns:pc="http://schemas.microsoft.com/office/infopath/2007/PartnerControls">
+  <documentManagement>
+    <Status xmlns="71af3243-3dd4-4a8d-8c0d-dd76da1f02a5">Not started</Status>
+    <MediaServiceKeyPoints xmlns="71af3243-3dd4-4a8d-8c0d-dd76da1f02a5" xsi:nil="true"/>
+  </documentManagement>
+</p:properties>
+</file>
+
+<file path=customXml/item3.xml><?xml version="1.0" encoding="utf-8"?>
 <ct:contentTypeSchema xmlns:ct="http://schemas.microsoft.com/office/2006/metadata/contentType" xmlns:ma="http://schemas.microsoft.com/office/2006/metadata/properties/metaAttributes" ct:_="" ma:_="" ma:contentTypeName="Document" ma:contentTypeID="0x01010079F111ED35F8CC479449609E8A0923A6" ma:contentTypeVersion="12" ma:contentTypeDescription="Create a new document." ma:contentTypeScope="" ma:versionID="426e97fa315356fffbdcd9876fe988c2">
   <xsd:schema xmlns:xsd="http://www.w3.org/2001/XMLSchema" xmlns:xs="http://www.w3.org/2001/XMLSchema" xmlns:p="http://schemas.microsoft.com/office/2006/metadata/properties" xmlns:ns2="71af3243-3dd4-4a8d-8c0d-dd76da1f02a5" xmlns:ns3="16c05727-aa75-4e4a-9b5f-8a80a1165891" targetNamespace="http://schemas.microsoft.com/office/2006/metadata/properties" ma:root="true" ma:fieldsID="14b8f0def80e6d70ce3def20c90759ae" ns2:_="" ns3:_="">
     <xsd:import namespace="71af3243-3dd4-4a8d-8c0d-dd76da1f02a5"/>
@@ -11204,25 +11222,25 @@
 </ct:contentTypeSchema>
 </file>
 
-<file path=customXml/item2.xml><?xml version="1.0" encoding="utf-8"?>
-<p:properties xmlns:p="http://schemas.microsoft.com/office/2006/metadata/properties" xmlns:xsi="http://www.w3.org/2001/XMLSchema-instance" xmlns:pc="http://schemas.microsoft.com/office/infopath/2007/PartnerControls">
-  <documentManagement>
-    <Status xmlns="71af3243-3dd4-4a8d-8c0d-dd76da1f02a5">Not started</Status>
-    <MediaServiceKeyPoints xmlns="71af3243-3dd4-4a8d-8c0d-dd76da1f02a5" xsi:nil="true"/>
-  </documentManagement>
-</p:properties>
+<file path=customXml/itemProps1.xml><?xml version="1.0" encoding="utf-8"?>
+<ds:datastoreItem xmlns:ds="http://schemas.openxmlformats.org/officeDocument/2006/customXml" ds:itemID="{53A10211-FBDE-44DA-8AD6-29E596B2975F}">
+  <ds:schemaRefs>
+    <ds:schemaRef ds:uri="http://schemas.microsoft.com/sharepoint/v3/contenttype/forms"/>
+  </ds:schemaRefs>
+</ds:datastoreItem>
 </file>
 
-<file path=customXml/item3.xml><?xml version="1.0" encoding="utf-8"?>
-<?mso-contentType ?>
-<FormTemplates xmlns="http://schemas.microsoft.com/sharepoint/v3/contenttype/forms">
-  <Display>DocumentLibraryForm</Display>
-  <Edit>DocumentLibraryForm</Edit>
-  <New>DocumentLibraryForm</New>
-</FormTemplates>
+<file path=customXml/itemProps2.xml><?xml version="1.0" encoding="utf-8"?>
+<ds:datastoreItem xmlns:ds="http://schemas.openxmlformats.org/officeDocument/2006/customXml" ds:itemID="{D0976319-4513-485C-AD3A-E56C39927A38}">
+  <ds:schemaRefs>
+    <ds:schemaRef ds:uri="http://schemas.microsoft.com/office/2006/metadata/properties"/>
+    <ds:schemaRef ds:uri="http://schemas.microsoft.com/office/infopath/2007/PartnerControls"/>
+    <ds:schemaRef ds:uri="71af3243-3dd4-4a8d-8c0d-dd76da1f02a5"/>
+  </ds:schemaRefs>
+</ds:datastoreItem>
 </file>
 
-<file path=customXml/itemProps1.xml><?xml version="1.0" encoding="utf-8"?>
+<file path=customXml/itemProps3.xml><?xml version="1.0" encoding="utf-8"?>
 <ds:datastoreItem xmlns:ds="http://schemas.openxmlformats.org/officeDocument/2006/customXml" ds:itemID="{6A1B7BBB-8F46-4BA8-85EC-2ECC1D2E3290}">
   <ds:schemaRefs>
     <ds:schemaRef ds:uri="http://schemas.microsoft.com/office/2006/metadata/contentType"/>
@@ -11239,22 +11257,4 @@
     <ds:schemaRef ds:uri="http://schemas.microsoft.com/internal/obd"/>
   </ds:schemaRefs>
 </ds:datastoreItem>
-</file>
-
-<file path=customXml/itemProps2.xml><?xml version="1.0" encoding="utf-8"?>
-<ds:datastoreItem xmlns:ds="http://schemas.openxmlformats.org/officeDocument/2006/customXml" ds:itemID="{D0976319-4513-485C-AD3A-E56C39927A38}">
-  <ds:schemaRefs>
-    <ds:schemaRef ds:uri="http://schemas.microsoft.com/office/2006/metadata/properties"/>
-    <ds:schemaRef ds:uri="http://schemas.microsoft.com/office/infopath/2007/PartnerControls"/>
-    <ds:schemaRef ds:uri="71af3243-3dd4-4a8d-8c0d-dd76da1f02a5"/>
-  </ds:schemaRefs>
-</ds:datastoreItem>
-</file>
-
-<file path=customXml/itemProps3.xml><?xml version="1.0" encoding="utf-8"?>
-<ds:datastoreItem xmlns:ds="http://schemas.openxmlformats.org/officeDocument/2006/customXml" ds:itemID="{53A10211-FBDE-44DA-8AD6-29E596B2975F}">
-  <ds:schemaRefs>
-    <ds:schemaRef ds:uri="http://schemas.microsoft.com/sharepoint/v3/contenttype/forms"/>
-  </ds:schemaRefs>
-</ds:datastoreItem>
 </file>
--- a/Power Point/Project 3-Trends in Foster Care-FINAL.pptx
+++ b/Power Point/Project 3-Trends in Foster Care-FINAL.pptx
@@ -6262,7 +6262,7 @@
                 </a:solidFill>
                 <a:latin typeface="+mn-lt"/>
               </a:rPr>
-              <a:t>A data analysis and predictive model of  foster care </a:t>
+              <a:t>A Data Analysis and Predictive Model of  Foster Care </a:t>
             </a:r>
             <a:br>
               <a:rPr lang="en-US" sz="1600" i="1" dirty="0">
@@ -6279,7 +6279,7 @@
                 </a:solidFill>
                 <a:latin typeface="+mn-lt"/>
               </a:rPr>
-              <a:t>trends in The Midwestern United States</a:t>
+              <a:t>Trends in the Midwestern United States</a:t>
             </a:r>
           </a:p>
         </p:txBody>
@@ -8629,7 +8629,7 @@
         <p:spPr>
           <a:xfrm>
             <a:off x="632695" y="1535797"/>
-            <a:ext cx="4524375" cy="4322337"/>
+            <a:ext cx="4524375" cy="4605492"/>
           </a:xfrm>
           <a:prstGeom prst="rect">
             <a:avLst/>
@@ -8705,7 +8705,7 @@
                 <a:ea typeface="Calibri" panose="020F0502020204030204" pitchFamily="34" charset="0"/>
                 <a:cs typeface="Times New Roman" panose="02020603050405020304" pitchFamily="18" charset="0"/>
               </a:rPr>
-              <a:t>developed a model to predict what the foster care needs will be in 5, 10, and 20 years from now in selected states.  We will be looking at predicting the number of children in care as well as TPR predictions for the future </a:t>
+              <a:t>developed a model to predict what the foster care needs will be in 5, 10, and 20 years from now in selected states.  We will be looking at predicting the number of children in care as well as Terminations of Parental Rights (TPR) predictions for the future </a:t>
             </a:r>
             <a:r>
               <a:rPr lang="en-US" sz="1600" b="1" dirty="0">
@@ -10037,7 +10037,7 @@
         <p:spPr>
           <a:xfrm>
             <a:off x="998289" y="1224793"/>
-            <a:ext cx="8355436" cy="4247317"/>
+            <a:ext cx="8355436" cy="3970318"/>
           </a:xfrm>
           <a:prstGeom prst="rect">
             <a:avLst/>
@@ -10096,7 +10096,7 @@
                   <a:schemeClr val="bg1"/>
                 </a:solidFill>
               </a:rPr>
-              <a:t>The interactive website shows data compiled for all 50 states showing the number of children in care, the number of adoptions and the number of terminations of parental rights (TPR) over the 10-year period</a:t>
+              <a:t>The interactive website shows data compiled for all 50 states showing the number of children in care, the number of adoptions and the number of TPRs over the 10-year period</a:t>
             </a:r>
           </a:p>
           <a:p>
@@ -10984,24 +10984,6 @@
 </file>
 
 <file path=customXml/item1.xml><?xml version="1.0" encoding="utf-8"?>
-<?mso-contentType ?>
-<FormTemplates xmlns="http://schemas.microsoft.com/sharepoint/v3/contenttype/forms">
-  <Display>DocumentLibraryForm</Display>
-  <Edit>DocumentLibraryForm</Edit>
-  <New>DocumentLibraryForm</New>
-</FormTemplates>
-</file>
-
-<file path=customXml/item2.xml><?xml version="1.0" encoding="utf-8"?>
-<p:properties xmlns:p="http://schemas.microsoft.com/office/2006/metadata/properties" xmlns:xsi="http://www.w3.org/2001/XMLSchema-instance" xmlns:pc="http://schemas.microsoft.com/office/infopath/2007/PartnerControls">
-  <documentManagement>
-    <Status xmlns="71af3243-3dd4-4a8d-8c0d-dd76da1f02a5">Not started</Status>
-    <MediaServiceKeyPoints xmlns="71af3243-3dd4-4a8d-8c0d-dd76da1f02a5" xsi:nil="true"/>
-  </documentManagement>
-</p:properties>
-</file>
-
-<file path=customXml/item3.xml><?xml version="1.0" encoding="utf-8"?>
 <ct:contentTypeSchema xmlns:ct="http://schemas.microsoft.com/office/2006/metadata/contentType" xmlns:ma="http://schemas.microsoft.com/office/2006/metadata/properties/metaAttributes" ct:_="" ma:_="" ma:contentTypeName="Document" ma:contentTypeID="0x01010079F111ED35F8CC479449609E8A0923A6" ma:contentTypeVersion="12" ma:contentTypeDescription="Create a new document." ma:contentTypeScope="" ma:versionID="426e97fa315356fffbdcd9876fe988c2">
   <xsd:schema xmlns:xsd="http://www.w3.org/2001/XMLSchema" xmlns:xs="http://www.w3.org/2001/XMLSchema" xmlns:p="http://schemas.microsoft.com/office/2006/metadata/properties" xmlns:ns2="71af3243-3dd4-4a8d-8c0d-dd76da1f02a5" xmlns:ns3="16c05727-aa75-4e4a-9b5f-8a80a1165891" targetNamespace="http://schemas.microsoft.com/office/2006/metadata/properties" ma:root="true" ma:fieldsID="14b8f0def80e6d70ce3def20c90759ae" ns2:_="" ns3:_="">
     <xsd:import namespace="71af3243-3dd4-4a8d-8c0d-dd76da1f02a5"/>
@@ -11222,25 +11204,25 @@
 </ct:contentTypeSchema>
 </file>
 
-<file path=customXml/itemProps1.xml><?xml version="1.0" encoding="utf-8"?>
-<ds:datastoreItem xmlns:ds="http://schemas.openxmlformats.org/officeDocument/2006/customXml" ds:itemID="{53A10211-FBDE-44DA-8AD6-29E596B2975F}">
-  <ds:schemaRefs>
-    <ds:schemaRef ds:uri="http://schemas.microsoft.com/sharepoint/v3/contenttype/forms"/>
-  </ds:schemaRefs>
-</ds:datastoreItem>
+<file path=customXml/item2.xml><?xml version="1.0" encoding="utf-8"?>
+<p:properties xmlns:p="http://schemas.microsoft.com/office/2006/metadata/properties" xmlns:xsi="http://www.w3.org/2001/XMLSchema-instance" xmlns:pc="http://schemas.microsoft.com/office/infopath/2007/PartnerControls">
+  <documentManagement>
+    <Status xmlns="71af3243-3dd4-4a8d-8c0d-dd76da1f02a5">Not started</Status>
+    <MediaServiceKeyPoints xmlns="71af3243-3dd4-4a8d-8c0d-dd76da1f02a5" xsi:nil="true"/>
+  </documentManagement>
+</p:properties>
 </file>
 
-<file path=customXml/itemProps2.xml><?xml version="1.0" encoding="utf-8"?>
-<ds:datastoreItem xmlns:ds="http://schemas.openxmlformats.org/officeDocument/2006/customXml" ds:itemID="{D0976319-4513-485C-AD3A-E56C39927A38}">
-  <ds:schemaRefs>
-    <ds:schemaRef ds:uri="http://schemas.microsoft.com/office/2006/metadata/properties"/>
-    <ds:schemaRef ds:uri="http://schemas.microsoft.com/office/infopath/2007/PartnerControls"/>
-    <ds:schemaRef ds:uri="71af3243-3dd4-4a8d-8c0d-dd76da1f02a5"/>
-  </ds:schemaRefs>
-</ds:datastoreItem>
+<file path=customXml/item3.xml><?xml version="1.0" encoding="utf-8"?>
+<?mso-contentType ?>
+<FormTemplates xmlns="http://schemas.microsoft.com/sharepoint/v3/contenttype/forms">
+  <Display>DocumentLibraryForm</Display>
+  <Edit>DocumentLibraryForm</Edit>
+  <New>DocumentLibraryForm</New>
+</FormTemplates>
 </file>
 
-<file path=customXml/itemProps3.xml><?xml version="1.0" encoding="utf-8"?>
+<file path=customXml/itemProps1.xml><?xml version="1.0" encoding="utf-8"?>
 <ds:datastoreItem xmlns:ds="http://schemas.openxmlformats.org/officeDocument/2006/customXml" ds:itemID="{6A1B7BBB-8F46-4BA8-85EC-2ECC1D2E3290}">
   <ds:schemaRefs>
     <ds:schemaRef ds:uri="http://schemas.microsoft.com/office/2006/metadata/contentType"/>
@@ -11257,4 +11239,22 @@
     <ds:schemaRef ds:uri="http://schemas.microsoft.com/internal/obd"/>
   </ds:schemaRefs>
 </ds:datastoreItem>
+</file>
+
+<file path=customXml/itemProps2.xml><?xml version="1.0" encoding="utf-8"?>
+<ds:datastoreItem xmlns:ds="http://schemas.openxmlformats.org/officeDocument/2006/customXml" ds:itemID="{D0976319-4513-485C-AD3A-E56C39927A38}">
+  <ds:schemaRefs>
+    <ds:schemaRef ds:uri="http://schemas.microsoft.com/office/2006/metadata/properties"/>
+    <ds:schemaRef ds:uri="http://schemas.microsoft.com/office/infopath/2007/PartnerControls"/>
+    <ds:schemaRef ds:uri="71af3243-3dd4-4a8d-8c0d-dd76da1f02a5"/>
+  </ds:schemaRefs>
+</ds:datastoreItem>
+</file>
+
+<file path=customXml/itemProps3.xml><?xml version="1.0" encoding="utf-8"?>
+<ds:datastoreItem xmlns:ds="http://schemas.openxmlformats.org/officeDocument/2006/customXml" ds:itemID="{53A10211-FBDE-44DA-8AD6-29E596B2975F}">
+  <ds:schemaRefs>
+    <ds:schemaRef ds:uri="http://schemas.microsoft.com/sharepoint/v3/contenttype/forms"/>
+  </ds:schemaRefs>
+</ds:datastoreItem>
 </file>